--- a/Clase 2/Clase_2.pptx
+++ b/Clase 2/Clase_2.pptx
@@ -11,18 +11,18 @@
     <p:sldId id="268" r:id="rId2"/>
     <p:sldId id="257" r:id="rId3"/>
     <p:sldId id="298" r:id="rId4"/>
-    <p:sldId id="299" r:id="rId5"/>
-    <p:sldId id="300" r:id="rId6"/>
-    <p:sldId id="301" r:id="rId7"/>
-    <p:sldId id="305" r:id="rId8"/>
-    <p:sldId id="306" r:id="rId9"/>
-    <p:sldId id="302" r:id="rId10"/>
-    <p:sldId id="303" r:id="rId11"/>
-    <p:sldId id="304" r:id="rId12"/>
-    <p:sldId id="307" r:id="rId13"/>
-    <p:sldId id="308" r:id="rId14"/>
-    <p:sldId id="309" r:id="rId15"/>
-    <p:sldId id="310" r:id="rId16"/>
+    <p:sldId id="309" r:id="rId5"/>
+    <p:sldId id="310" r:id="rId6"/>
+    <p:sldId id="299" r:id="rId7"/>
+    <p:sldId id="300" r:id="rId8"/>
+    <p:sldId id="301" r:id="rId9"/>
+    <p:sldId id="305" r:id="rId10"/>
+    <p:sldId id="306" r:id="rId11"/>
+    <p:sldId id="302" r:id="rId12"/>
+    <p:sldId id="303" r:id="rId13"/>
+    <p:sldId id="304" r:id="rId14"/>
+    <p:sldId id="307" r:id="rId15"/>
+    <p:sldId id="308" r:id="rId16"/>
     <p:sldId id="293" r:id="rId17"/>
     <p:sldId id="340" r:id="rId18"/>
     <p:sldId id="341" r:id="rId19"/>
@@ -3956,7 +3956,7 @@
           <a:noFill/>
           <a:extLst>
             <a:ext uri="{909E8E84-426E-40dd-AFC4-6F175D3DCCD1}">
-              <a14:hiddenFill xmlns="" xmlns:a14="http://schemas.microsoft.com/office/drawing/2010/main">
+              <a14:hiddenFill xmlns:a14="http://schemas.microsoft.com/office/drawing/2010/main" xmlns="">
                 <a:solidFill>
                   <a:srgbClr val="FFFFFF"/>
                 </a:solidFill>
@@ -4566,6 +4566,482 @@
           <p:cNvPr id="2" name="Título 1">
             <a:extLst>
               <a:ext uri="{FF2B5EF4-FFF2-40B4-BE49-F238E27FC236}">
+                <a16:creationId xmlns:a16="http://schemas.microsoft.com/office/drawing/2014/main" id="{4C850E1C-2384-40C3-9543-0CB2E5EF4926}"/>
+              </a:ext>
+            </a:extLst>
+          </p:cNvPr>
+          <p:cNvSpPr>
+            <a:spLocks noGrp="1"/>
+          </p:cNvSpPr>
+          <p:nvPr>
+            <p:ph type="title"/>
+          </p:nvPr>
+        </p:nvSpPr>
+        <p:spPr>
+          <a:xfrm>
+            <a:off x="1295400" y="-78874"/>
+            <a:ext cx="10515600" cy="1325563"/>
+          </a:xfrm>
+        </p:spPr>
+        <p:txBody>
+          <a:bodyPr/>
+          <a:lstStyle/>
+          <a:p>
+            <a:r>
+              <a:rPr lang="es-CR" b="1" dirty="0"/>
+              <a:t>Desventajas</a:t>
+            </a:r>
+            <a:endParaRPr lang="es-CR" dirty="0"/>
+          </a:p>
+        </p:txBody>
+      </p:sp>
+      <p:sp>
+        <p:nvSpPr>
+          <p:cNvPr id="3" name="Marcador de contenido 2">
+            <a:extLst>
+              <a:ext uri="{FF2B5EF4-FFF2-40B4-BE49-F238E27FC236}">
+                <a16:creationId xmlns:a16="http://schemas.microsoft.com/office/drawing/2014/main" id="{663663DC-3B17-4C21-B247-7A678B1E72B7}"/>
+              </a:ext>
+            </a:extLst>
+          </p:cNvPr>
+          <p:cNvSpPr>
+            <a:spLocks noGrp="1"/>
+          </p:cNvSpPr>
+          <p:nvPr>
+            <p:ph idx="1"/>
+          </p:nvPr>
+        </p:nvSpPr>
+        <p:spPr>
+          <a:xfrm>
+            <a:off x="571870" y="1570444"/>
+            <a:ext cx="5615866" cy="4335478"/>
+          </a:xfrm>
+        </p:spPr>
+        <p:txBody>
+          <a:bodyPr>
+            <a:normAutofit fontScale="92500" lnSpcReduction="20000"/>
+          </a:bodyPr>
+          <a:lstStyle/>
+          <a:p>
+            <a:r>
+              <a:rPr lang="es-CR" dirty="0"/>
+              <a:t>Sobreajuste</a:t>
+            </a:r>
+          </a:p>
+          <a:p>
+            <a:r>
+              <a:rPr lang="es-CR" dirty="0"/>
+              <a:t>Pérdida de información al categorizar variables continuas</a:t>
+            </a:r>
+          </a:p>
+          <a:p>
+            <a:r>
+              <a:rPr lang="es-CR" dirty="0"/>
+              <a:t>Precisión: métodos como SVM y clasificadores tipo ensamblador a menudo tienen tasas de error 30% más bajas que CART (</a:t>
+            </a:r>
+            <a:r>
+              <a:rPr lang="es-CR" dirty="0" err="1"/>
+              <a:t>Classification</a:t>
+            </a:r>
+            <a:r>
+              <a:rPr lang="es-CR" dirty="0"/>
+              <a:t> and </a:t>
+            </a:r>
+            <a:r>
+              <a:rPr lang="es-CR" dirty="0" err="1"/>
+              <a:t>Regression</a:t>
+            </a:r>
+            <a:r>
+              <a:rPr lang="es-CR" dirty="0"/>
+              <a:t> </a:t>
+            </a:r>
+            <a:r>
+              <a:rPr lang="es-CR" dirty="0" err="1"/>
+              <a:t>Trees</a:t>
+            </a:r>
+            <a:r>
+              <a:rPr lang="es-CR" dirty="0"/>
+              <a:t>)</a:t>
+            </a:r>
+          </a:p>
+          <a:p>
+            <a:r>
+              <a:rPr lang="es-CR" dirty="0"/>
+              <a:t>Inestabilidad: un pequeño cambio en los datos puede modificar ampliamente la estructura del árbol. Por lo tanto la interpretación no es tan directa como parece.</a:t>
+            </a:r>
+          </a:p>
+          <a:p>
+            <a:endParaRPr lang="es-CR" dirty="0"/>
+          </a:p>
+        </p:txBody>
+      </p:sp>
+      <p:pic>
+        <p:nvPicPr>
+          <p:cNvPr id="4" name="Picture 2">
+            <a:extLst>
+              <a:ext uri="{FF2B5EF4-FFF2-40B4-BE49-F238E27FC236}">
+                <a16:creationId xmlns:a16="http://schemas.microsoft.com/office/drawing/2014/main" id="{3EB0AE20-49E8-4F19-9D7D-B248B7E58D07}"/>
+              </a:ext>
+            </a:extLst>
+          </p:cNvPr>
+          <p:cNvPicPr/>
+          <p:nvPr/>
+        </p:nvPicPr>
+        <p:blipFill>
+          <a:blip r:embed="rId2"/>
+          <a:stretch/>
+        </p:blipFill>
+        <p:spPr>
+          <a:xfrm>
+            <a:off x="7025266" y="-138793"/>
+            <a:ext cx="2753640" cy="1445400"/>
+          </a:xfrm>
+          <a:prstGeom prst="rect">
+            <a:avLst/>
+          </a:prstGeom>
+          <a:ln>
+            <a:noFill/>
+          </a:ln>
+        </p:spPr>
+      </p:pic>
+      <p:pic>
+        <p:nvPicPr>
+          <p:cNvPr id="12290" name="Picture 2" descr="Resultado de imagen para arboles de decision machine learning">
+            <a:extLst>
+              <a:ext uri="{FF2B5EF4-FFF2-40B4-BE49-F238E27FC236}">
+                <a16:creationId xmlns:a16="http://schemas.microsoft.com/office/drawing/2014/main" id="{4D2C2875-CFB5-45BC-A512-A05BEE29DDD6}"/>
+              </a:ext>
+            </a:extLst>
+          </p:cNvPr>
+          <p:cNvPicPr>
+            <a:picLocks noChangeAspect="1" noChangeArrowheads="1"/>
+          </p:cNvPicPr>
+          <p:nvPr/>
+        </p:nvPicPr>
+        <p:blipFill>
+          <a:blip r:embed="rId3">
+            <a:extLst>
+              <a:ext uri="{28A0092B-C50C-407E-A947-70E740481C1C}">
+                <a14:useLocalDpi xmlns:a14="http://schemas.microsoft.com/office/drawing/2010/main" val="0"/>
+              </a:ext>
+            </a:extLst>
+          </a:blip>
+          <a:srcRect/>
+          <a:stretch>
+            <a:fillRect/>
+          </a:stretch>
+        </p:blipFill>
+        <p:spPr bwMode="auto">
+          <a:xfrm>
+            <a:off x="6638506" y="2733118"/>
+            <a:ext cx="4981624" cy="2010129"/>
+          </a:xfrm>
+          <a:prstGeom prst="rect">
+            <a:avLst/>
+          </a:prstGeom>
+          <a:noFill/>
+          <a:extLst>
+            <a:ext uri="{909E8E84-426E-40DD-AFC4-6F175D3DCCD1}">
+              <a14:hiddenFill xmlns:a14="http://schemas.microsoft.com/office/drawing/2010/main">
+                <a:solidFill>
+                  <a:srgbClr val="FFFFFF"/>
+                </a:solidFill>
+              </a14:hiddenFill>
+            </a:ext>
+          </a:extLst>
+        </p:spPr>
+      </p:pic>
+    </p:spTree>
+    <p:extLst>
+      <p:ext uri="{BB962C8B-B14F-4D97-AF65-F5344CB8AC3E}">
+        <p14:creationId xmlns:p14="http://schemas.microsoft.com/office/powerpoint/2010/main" val="2055544358"/>
+      </p:ext>
+    </p:extLst>
+  </p:cSld>
+  <p:clrMapOvr>
+    <a:masterClrMapping/>
+  </p:clrMapOvr>
+</p:sld>
+</file>
+
+<file path=ppt/slides/slide11.xml><?xml version="1.0" encoding="utf-8"?>
+<p:sld xmlns:a="http://schemas.openxmlformats.org/drawingml/2006/main" xmlns:r="http://schemas.openxmlformats.org/officeDocument/2006/relationships" xmlns:p="http://schemas.openxmlformats.org/presentationml/2006/main">
+  <p:cSld>
+    <p:spTree>
+      <p:nvGrpSpPr>
+        <p:cNvPr id="1" name=""/>
+        <p:cNvGrpSpPr/>
+        <p:nvPr/>
+      </p:nvGrpSpPr>
+      <p:grpSpPr>
+        <a:xfrm>
+          <a:off x="0" y="0"/>
+          <a:ext cx="0" cy="0"/>
+          <a:chOff x="0" y="0"/>
+          <a:chExt cx="0" cy="0"/>
+        </a:xfrm>
+      </p:grpSpPr>
+      <p:sp>
+        <p:nvSpPr>
+          <p:cNvPr id="2" name="Título 1">
+            <a:extLst>
+              <a:ext uri="{FF2B5EF4-FFF2-40B4-BE49-F238E27FC236}">
+                <a16:creationId xmlns:a16="http://schemas.microsoft.com/office/drawing/2014/main" id="{99363C58-8BC3-4645-9BE5-60DFA94FAE12}"/>
+              </a:ext>
+            </a:extLst>
+          </p:cNvPr>
+          <p:cNvSpPr>
+            <a:spLocks noGrp="1"/>
+          </p:cNvSpPr>
+          <p:nvPr>
+            <p:ph type="title"/>
+          </p:nvPr>
+        </p:nvSpPr>
+        <p:spPr>
+          <a:xfrm>
+            <a:off x="1386280" y="-91784"/>
+            <a:ext cx="10515600" cy="1325563"/>
+          </a:xfrm>
+        </p:spPr>
+        <p:txBody>
+          <a:bodyPr/>
+          <a:lstStyle/>
+          <a:p>
+            <a:r>
+              <a:rPr lang="es-CR" dirty="0"/>
+              <a:t>Random Forest </a:t>
+            </a:r>
+          </a:p>
+        </p:txBody>
+      </p:sp>
+      <p:sp>
+        <p:nvSpPr>
+          <p:cNvPr id="3" name="Marcador de contenido 2">
+            <a:extLst>
+              <a:ext uri="{FF2B5EF4-FFF2-40B4-BE49-F238E27FC236}">
+                <a16:creationId xmlns:a16="http://schemas.microsoft.com/office/drawing/2014/main" id="{B8FEEECF-77C3-4FD6-8FE0-A8ADE77D50DB}"/>
+              </a:ext>
+            </a:extLst>
+          </p:cNvPr>
+          <p:cNvSpPr>
+            <a:spLocks noGrp="1"/>
+          </p:cNvSpPr>
+          <p:nvPr>
+            <p:ph idx="1"/>
+          </p:nvPr>
+        </p:nvSpPr>
+        <p:spPr>
+          <a:xfrm>
+            <a:off x="676714" y="1549179"/>
+            <a:ext cx="5705213" cy="4351338"/>
+          </a:xfrm>
+        </p:spPr>
+        <p:txBody>
+          <a:bodyPr>
+            <a:normAutofit fontScale="47500" lnSpcReduction="20000"/>
+          </a:bodyPr>
+          <a:lstStyle/>
+          <a:p>
+            <a:r>
+              <a:rPr lang="es-CR" sz="2900" dirty="0"/>
+              <a:t>Los métodos tipo ensamblador están formados de un </a:t>
+            </a:r>
+            <a:r>
+              <a:rPr lang="es-CR" sz="2900" b="1" dirty="0"/>
+              <a:t>grupo de modelos predictivos</a:t>
+            </a:r>
+            <a:r>
+              <a:rPr lang="es-CR" sz="2900" dirty="0"/>
+              <a:t> que permiten alcanzar una mejor precisión y estabilidad del modelo. Estos proveen una mejora significativa a los modelos de árboles de decisión.</a:t>
+            </a:r>
+          </a:p>
+          <a:p>
+            <a:endParaRPr lang="es-CR" dirty="0"/>
+          </a:p>
+          <a:p>
+            <a:r>
+              <a:rPr lang="es-CR" sz="3300" b="1" dirty="0"/>
+              <a:t>Por qué surgen los ensambladores de árboles?</a:t>
+            </a:r>
+            <a:endParaRPr lang="es-CR" sz="3300" dirty="0"/>
+          </a:p>
+          <a:p>
+            <a:pPr lvl="1"/>
+            <a:r>
+              <a:rPr lang="es-CR" sz="2900" dirty="0"/>
+              <a:t>Así como todos los modelos, un árbol de decisión también sufre de los problemas de sesgo y varianza. Es decir, cuánto en promedio son los valores </a:t>
+            </a:r>
+            <a:r>
+              <a:rPr lang="es-CR" sz="2900" dirty="0" err="1"/>
+              <a:t>predecidos</a:t>
+            </a:r>
+            <a:r>
+              <a:rPr lang="es-CR" sz="2900" dirty="0"/>
+              <a:t> diferentes de los valores reales (sesgo) y cuan diferentes serán las predicciones de un modelo en un mismo punto si muestras diferentes se tomaran de la misma población’ (varianza).</a:t>
+            </a:r>
+          </a:p>
+          <a:p>
+            <a:pPr lvl="1"/>
+            <a:endParaRPr lang="es-CR" sz="2900" dirty="0"/>
+          </a:p>
+          <a:p>
+            <a:pPr lvl="1"/>
+            <a:r>
+              <a:rPr lang="es-CR" sz="2900" dirty="0"/>
+              <a:t>Al construir un árbol pequeño se obtendrá un modelo con baja varianza y alto sesgo. Normalmente, al incrementar la complejidad del modelo, se verá una reducción en el error de predicción debido a un sesgo más bajo en el modelo. En un punto el modelo será muy complejo y se producirá un </a:t>
+            </a:r>
+            <a:r>
+              <a:rPr lang="es-CR" sz="2900" dirty="0" err="1"/>
+              <a:t>sobre-ajuste</a:t>
+            </a:r>
+            <a:r>
+              <a:rPr lang="es-CR" sz="2900" dirty="0"/>
+              <a:t> del modelo el cual empezará a sufrir de varianza alta.</a:t>
+            </a:r>
+          </a:p>
+          <a:p>
+            <a:pPr lvl="1"/>
+            <a:endParaRPr lang="es-CR" sz="2900" dirty="0"/>
+          </a:p>
+          <a:p>
+            <a:pPr lvl="1"/>
+            <a:r>
+              <a:rPr lang="es-CR" sz="2900" dirty="0"/>
+              <a:t>El modelo óptimo debería mantener un balance entre estos dos tipos de errores. A esto se le conoce como “</a:t>
+            </a:r>
+            <a:r>
+              <a:rPr lang="es-CR" sz="2900" dirty="0" err="1"/>
+              <a:t>trade</a:t>
+            </a:r>
+            <a:r>
+              <a:rPr lang="es-CR" sz="2900" dirty="0"/>
+              <a:t>-off” (equilibrio) entre errores de sesgo y varianza. El uso de ensambladores es una forma de aplicar este “</a:t>
+            </a:r>
+            <a:r>
+              <a:rPr lang="es-CR" sz="2900" dirty="0" err="1"/>
+              <a:t>trade</a:t>
+            </a:r>
+            <a:r>
+              <a:rPr lang="es-CR" sz="2900" dirty="0"/>
+              <a:t>-off”.</a:t>
+            </a:r>
+          </a:p>
+          <a:p>
+            <a:endParaRPr lang="es-CR" dirty="0"/>
+          </a:p>
+        </p:txBody>
+      </p:sp>
+      <p:pic>
+        <p:nvPicPr>
+          <p:cNvPr id="5122" name="Picture 2" descr="âPruningâ">
+            <a:extLst>
+              <a:ext uri="{FF2B5EF4-FFF2-40B4-BE49-F238E27FC236}">
+                <a16:creationId xmlns:a16="http://schemas.microsoft.com/office/drawing/2014/main" id="{5BFACF48-A3C8-4CC6-B689-909C386E9A2D}"/>
+              </a:ext>
+            </a:extLst>
+          </p:cNvPr>
+          <p:cNvPicPr>
+            <a:picLocks noChangeAspect="1" noChangeArrowheads="1"/>
+          </p:cNvPicPr>
+          <p:nvPr/>
+        </p:nvPicPr>
+        <p:blipFill>
+          <a:blip r:embed="rId2">
+            <a:extLst>
+              <a:ext uri="{28A0092B-C50C-407E-A947-70E740481C1C}">
+                <a14:useLocalDpi xmlns:a14="http://schemas.microsoft.com/office/drawing/2010/main" val="0"/>
+              </a:ext>
+            </a:extLst>
+          </a:blip>
+          <a:srcRect/>
+          <a:stretch>
+            <a:fillRect/>
+          </a:stretch>
+        </p:blipFill>
+        <p:spPr bwMode="auto">
+          <a:xfrm>
+            <a:off x="6392146" y="1994627"/>
+            <a:ext cx="5055053" cy="3905890"/>
+          </a:xfrm>
+          <a:prstGeom prst="rect">
+            <a:avLst/>
+          </a:prstGeom>
+          <a:noFill/>
+          <a:extLst>
+            <a:ext uri="{909E8E84-426E-40DD-AFC4-6F175D3DCCD1}">
+              <a14:hiddenFill xmlns:a14="http://schemas.microsoft.com/office/drawing/2010/main">
+                <a:solidFill>
+                  <a:srgbClr val="FFFFFF"/>
+                </a:solidFill>
+              </a14:hiddenFill>
+            </a:ext>
+          </a:extLst>
+        </p:spPr>
+      </p:pic>
+      <p:pic>
+        <p:nvPicPr>
+          <p:cNvPr id="6" name="Picture 2">
+            <a:extLst>
+              <a:ext uri="{FF2B5EF4-FFF2-40B4-BE49-F238E27FC236}">
+                <a16:creationId xmlns:a16="http://schemas.microsoft.com/office/drawing/2014/main" id="{1EA7167E-1B70-436A-B639-9E1C1663B0AA}"/>
+              </a:ext>
+            </a:extLst>
+          </p:cNvPr>
+          <p:cNvPicPr/>
+          <p:nvPr/>
+        </p:nvPicPr>
+        <p:blipFill>
+          <a:blip r:embed="rId3"/>
+          <a:stretch/>
+        </p:blipFill>
+        <p:spPr>
+          <a:xfrm>
+            <a:off x="7285860" y="-91784"/>
+            <a:ext cx="2753640" cy="1445400"/>
+          </a:xfrm>
+          <a:prstGeom prst="rect">
+            <a:avLst/>
+          </a:prstGeom>
+          <a:ln>
+            <a:noFill/>
+          </a:ln>
+        </p:spPr>
+      </p:pic>
+    </p:spTree>
+    <p:extLst>
+      <p:ext uri="{BB962C8B-B14F-4D97-AF65-F5344CB8AC3E}">
+        <p14:creationId xmlns:p14="http://schemas.microsoft.com/office/powerpoint/2010/main" val="428855257"/>
+      </p:ext>
+    </p:extLst>
+  </p:cSld>
+  <p:clrMapOvr>
+    <a:masterClrMapping/>
+  </p:clrMapOvr>
+</p:sld>
+</file>
+
+<file path=ppt/slides/slide12.xml><?xml version="1.0" encoding="utf-8"?>
+<p:sld xmlns:a="http://schemas.openxmlformats.org/drawingml/2006/main" xmlns:r="http://schemas.openxmlformats.org/officeDocument/2006/relationships" xmlns:p="http://schemas.openxmlformats.org/presentationml/2006/main">
+  <p:cSld>
+    <p:spTree>
+      <p:nvGrpSpPr>
+        <p:cNvPr id="1" name=""/>
+        <p:cNvGrpSpPr/>
+        <p:nvPr/>
+      </p:nvGrpSpPr>
+      <p:grpSpPr>
+        <a:xfrm>
+          <a:off x="0" y="0"/>
+          <a:ext cx="0" cy="0"/>
+          <a:chOff x="0" y="0"/>
+          <a:chExt cx="0" cy="0"/>
+        </a:xfrm>
+      </p:grpSpPr>
+      <p:sp>
+        <p:nvSpPr>
+          <p:cNvPr id="2" name="Título 1">
+            <a:extLst>
+              <a:ext uri="{FF2B5EF4-FFF2-40B4-BE49-F238E27FC236}">
                 <a16:creationId xmlns:a16="http://schemas.microsoft.com/office/drawing/2014/main" id="{EB825CE2-2CE0-4CB7-A4C3-6ECD4A2F4FD1}"/>
               </a:ext>
             </a:extLst>
@@ -4762,7 +5238,7 @@
 </p:sld>
 </file>
 
-<file path=ppt/slides/slide11.xml><?xml version="1.0" encoding="utf-8"?>
+<file path=ppt/slides/slide13.xml><?xml version="1.0" encoding="utf-8"?>
 <p:sld xmlns:a="http://schemas.openxmlformats.org/drawingml/2006/main" xmlns:r="http://schemas.openxmlformats.org/officeDocument/2006/relationships" xmlns:p="http://schemas.openxmlformats.org/presentationml/2006/main">
   <p:cSld>
     <p:spTree>
@@ -4988,7 +5464,7 @@
 </p:sld>
 </file>
 
-<file path=ppt/slides/slide12.xml><?xml version="1.0" encoding="utf-8"?>
+<file path=ppt/slides/slide14.xml><?xml version="1.0" encoding="utf-8"?>
 <p:sld xmlns:a="http://schemas.openxmlformats.org/drawingml/2006/main" xmlns:r="http://schemas.openxmlformats.org/officeDocument/2006/relationships" xmlns:p="http://schemas.openxmlformats.org/presentationml/2006/main">
   <p:cSld>
     <p:spTree>
@@ -5214,7 +5690,7 @@
 </p:sld>
 </file>
 
-<file path=ppt/slides/slide13.xml><?xml version="1.0" encoding="utf-8"?>
+<file path=ppt/slides/slide15.xml><?xml version="1.0" encoding="utf-8"?>
 <p:sld xmlns:a="http://schemas.openxmlformats.org/drawingml/2006/main" xmlns:r="http://schemas.openxmlformats.org/officeDocument/2006/relationships" xmlns:p="http://schemas.openxmlformats.org/presentationml/2006/main">
   <p:cSld>
     <p:spTree>
@@ -5401,433 +5877,6 @@
     <p:extLst>
       <p:ext uri="{BB962C8B-B14F-4D97-AF65-F5344CB8AC3E}">
         <p14:creationId xmlns:p14="http://schemas.microsoft.com/office/powerpoint/2010/main" val="1430672438"/>
-      </p:ext>
-    </p:extLst>
-  </p:cSld>
-  <p:clrMapOvr>
-    <a:masterClrMapping/>
-  </p:clrMapOvr>
-</p:sld>
-</file>
-
-<file path=ppt/slides/slide14.xml><?xml version="1.0" encoding="utf-8"?>
-<p:sld xmlns:a="http://schemas.openxmlformats.org/drawingml/2006/main" xmlns:r="http://schemas.openxmlformats.org/officeDocument/2006/relationships" xmlns:p="http://schemas.openxmlformats.org/presentationml/2006/main">
-  <p:cSld>
-    <p:spTree>
-      <p:nvGrpSpPr>
-        <p:cNvPr id="1" name=""/>
-        <p:cNvGrpSpPr/>
-        <p:nvPr/>
-      </p:nvGrpSpPr>
-      <p:grpSpPr>
-        <a:xfrm>
-          <a:off x="0" y="0"/>
-          <a:ext cx="0" cy="0"/>
-          <a:chOff x="0" y="0"/>
-          <a:chExt cx="0" cy="0"/>
-        </a:xfrm>
-      </p:grpSpPr>
-      <p:sp>
-        <p:nvSpPr>
-          <p:cNvPr id="2" name="Título 1">
-            <a:extLst>
-              <a:ext uri="{FF2B5EF4-FFF2-40B4-BE49-F238E27FC236}">
-                <a16:creationId xmlns:a16="http://schemas.microsoft.com/office/drawing/2014/main" id="{875DC0AB-7134-471E-99A7-370AE0F9C0CC}"/>
-              </a:ext>
-            </a:extLst>
-          </p:cNvPr>
-          <p:cNvSpPr>
-            <a:spLocks noGrp="1"/>
-          </p:cNvSpPr>
-          <p:nvPr>
-            <p:ph type="title"/>
-          </p:nvPr>
-        </p:nvSpPr>
-        <p:spPr>
-          <a:xfrm>
-            <a:off x="1316665" y="-56074"/>
-            <a:ext cx="10515600" cy="1325563"/>
-          </a:xfrm>
-        </p:spPr>
-        <p:txBody>
-          <a:bodyPr/>
-          <a:lstStyle/>
-          <a:p>
-            <a:r>
-              <a:rPr lang="es-CR" b="1" dirty="0"/>
-              <a:t>Regresión Logística</a:t>
-            </a:r>
-          </a:p>
-        </p:txBody>
-      </p:sp>
-      <p:sp>
-        <p:nvSpPr>
-          <p:cNvPr id="3" name="Marcador de contenido 2">
-            <a:extLst>
-              <a:ext uri="{FF2B5EF4-FFF2-40B4-BE49-F238E27FC236}">
-                <a16:creationId xmlns:a16="http://schemas.microsoft.com/office/drawing/2014/main" id="{EBB4E74D-FCC2-4190-B635-D5A9BC0C41F7}"/>
-              </a:ext>
-            </a:extLst>
-          </p:cNvPr>
-          <p:cNvSpPr>
-            <a:spLocks noGrp="1"/>
-          </p:cNvSpPr>
-          <p:nvPr>
-            <p:ph idx="1"/>
-          </p:nvPr>
-        </p:nvSpPr>
-        <p:spPr>
-          <a:xfrm>
-            <a:off x="838200" y="1825625"/>
-            <a:ext cx="6663431" cy="4351338"/>
-          </a:xfrm>
-        </p:spPr>
-        <p:txBody>
-          <a:bodyPr>
-            <a:normAutofit/>
-          </a:bodyPr>
-          <a:lstStyle/>
-          <a:p>
-            <a:r>
-              <a:rPr lang="es-CR" sz="2400" dirty="0"/>
-              <a:t>La regresión logística es un procedimiento cuantitativo de gran utilidad para problemas donde la variable dependiente toma valores en un conjunto finito</a:t>
-            </a:r>
-          </a:p>
-          <a:p>
-            <a:r>
-              <a:rPr lang="es-CR" sz="2400" dirty="0"/>
-              <a:t>Ejemplo: </a:t>
-            </a:r>
-          </a:p>
-          <a:p>
-            <a:pPr lvl="1"/>
-            <a:r>
-              <a:rPr lang="es-CR" sz="2000" dirty="0"/>
-              <a:t>Un paciente muere o no antes del alta. </a:t>
-            </a:r>
-          </a:p>
-          <a:p>
-            <a:pPr lvl="1"/>
-            <a:r>
-              <a:rPr lang="es-CR" sz="2000" dirty="0"/>
-              <a:t>Una persona deja o no de fumar después de un tratamiento. </a:t>
-            </a:r>
-          </a:p>
-          <a:p>
-            <a:pPr lvl="1"/>
-            <a:r>
-              <a:rPr lang="es-CR" sz="2000" dirty="0"/>
-              <a:t>En un estudio retrospectivo un individuo es caso o control. </a:t>
-            </a:r>
-          </a:p>
-          <a:p>
-            <a:pPr lvl="1"/>
-            <a:r>
-              <a:rPr lang="es-CR" sz="2000" dirty="0"/>
-              <a:t>Un paciente positivo al VIH está o no en el estado IV. </a:t>
-            </a:r>
-          </a:p>
-        </p:txBody>
-      </p:sp>
-      <p:pic>
-        <p:nvPicPr>
-          <p:cNvPr id="4" name="Picture 2">
-            <a:extLst>
-              <a:ext uri="{FF2B5EF4-FFF2-40B4-BE49-F238E27FC236}">
-                <a16:creationId xmlns:a16="http://schemas.microsoft.com/office/drawing/2014/main" id="{5EEE53D9-1290-4387-B474-F94CDB92FCFA}"/>
-              </a:ext>
-            </a:extLst>
-          </p:cNvPr>
-          <p:cNvPicPr/>
-          <p:nvPr/>
-        </p:nvPicPr>
-        <p:blipFill>
-          <a:blip r:embed="rId2"/>
-          <a:stretch/>
-        </p:blipFill>
-        <p:spPr>
-          <a:xfrm>
-            <a:off x="7099694" y="-115993"/>
-            <a:ext cx="2753640" cy="1445400"/>
-          </a:xfrm>
-          <a:prstGeom prst="rect">
-            <a:avLst/>
-          </a:prstGeom>
-          <a:ln>
-            <a:noFill/>
-          </a:ln>
-        </p:spPr>
-      </p:pic>
-      <p:pic>
-        <p:nvPicPr>
-          <p:cNvPr id="13314" name="Picture 2">
-            <a:extLst>
-              <a:ext uri="{FF2B5EF4-FFF2-40B4-BE49-F238E27FC236}">
-                <a16:creationId xmlns:a16="http://schemas.microsoft.com/office/drawing/2014/main" id="{82D12595-009F-46F1-BB20-D2FC2FD64F86}"/>
-              </a:ext>
-            </a:extLst>
-          </p:cNvPr>
-          <p:cNvPicPr>
-            <a:picLocks noChangeAspect="1" noChangeArrowheads="1"/>
-          </p:cNvPicPr>
-          <p:nvPr/>
-        </p:nvPicPr>
-        <p:blipFill>
-          <a:blip r:embed="rId3">
-            <a:extLst>
-              <a:ext uri="{28A0092B-C50C-407E-A947-70E740481C1C}">
-                <a14:useLocalDpi xmlns:a14="http://schemas.microsoft.com/office/drawing/2010/main" val="0"/>
-              </a:ext>
-            </a:extLst>
-          </a:blip>
-          <a:srcRect/>
-          <a:stretch>
-            <a:fillRect/>
-          </a:stretch>
-        </p:blipFill>
-        <p:spPr bwMode="auto">
-          <a:xfrm>
-            <a:off x="7590279" y="2379214"/>
-            <a:ext cx="4137389" cy="3090031"/>
-          </a:xfrm>
-          <a:prstGeom prst="rect">
-            <a:avLst/>
-          </a:prstGeom>
-          <a:noFill/>
-          <a:extLst>
-            <a:ext uri="{909E8E84-426E-40DD-AFC4-6F175D3DCCD1}">
-              <a14:hiddenFill xmlns:a14="http://schemas.microsoft.com/office/drawing/2010/main">
-                <a:solidFill>
-                  <a:srgbClr val="FFFFFF"/>
-                </a:solidFill>
-              </a14:hiddenFill>
-            </a:ext>
-          </a:extLst>
-        </p:spPr>
-      </p:pic>
-    </p:spTree>
-    <p:extLst>
-      <p:ext uri="{BB962C8B-B14F-4D97-AF65-F5344CB8AC3E}">
-        <p14:creationId xmlns:p14="http://schemas.microsoft.com/office/powerpoint/2010/main" val="1928133573"/>
-      </p:ext>
-    </p:extLst>
-  </p:cSld>
-  <p:clrMapOvr>
-    <a:masterClrMapping/>
-  </p:clrMapOvr>
-</p:sld>
-</file>
-
-<file path=ppt/slides/slide15.xml><?xml version="1.0" encoding="utf-8"?>
-<p:sld xmlns:a="http://schemas.openxmlformats.org/drawingml/2006/main" xmlns:r="http://schemas.openxmlformats.org/officeDocument/2006/relationships" xmlns:p="http://schemas.openxmlformats.org/presentationml/2006/main">
-  <p:cSld>
-    <p:spTree>
-      <p:nvGrpSpPr>
-        <p:cNvPr id="1" name=""/>
-        <p:cNvGrpSpPr/>
-        <p:nvPr/>
-      </p:nvGrpSpPr>
-      <p:grpSpPr>
-        <a:xfrm>
-          <a:off x="0" y="0"/>
-          <a:ext cx="0" cy="0"/>
-          <a:chOff x="0" y="0"/>
-          <a:chExt cx="0" cy="0"/>
-        </a:xfrm>
-      </p:grpSpPr>
-      <p:sp>
-        <p:nvSpPr>
-          <p:cNvPr id="2" name="Título 1">
-            <a:extLst>
-              <a:ext uri="{FF2B5EF4-FFF2-40B4-BE49-F238E27FC236}">
-                <a16:creationId xmlns:a16="http://schemas.microsoft.com/office/drawing/2014/main" id="{1625AEFB-0538-4D51-AE02-E4CC3386C899}"/>
-              </a:ext>
-            </a:extLst>
-          </p:cNvPr>
-          <p:cNvSpPr>
-            <a:spLocks noGrp="1"/>
-          </p:cNvSpPr>
-          <p:nvPr>
-            <p:ph type="title"/>
-          </p:nvPr>
-        </p:nvSpPr>
-        <p:spPr>
-          <a:xfrm>
-            <a:off x="1460294" y="-123973"/>
-            <a:ext cx="10515600" cy="1325563"/>
-          </a:xfrm>
-        </p:spPr>
-        <p:txBody>
-          <a:bodyPr/>
-          <a:lstStyle/>
-          <a:p>
-            <a:r>
-              <a:rPr lang="es-CR" b="1" dirty="0"/>
-              <a:t>Regresión Logística</a:t>
-            </a:r>
-            <a:endParaRPr lang="es-CR" dirty="0"/>
-          </a:p>
-        </p:txBody>
-      </p:sp>
-      <p:sp>
-        <p:nvSpPr>
-          <p:cNvPr id="3" name="Marcador de contenido 2">
-            <a:extLst>
-              <a:ext uri="{FF2B5EF4-FFF2-40B4-BE49-F238E27FC236}">
-                <a16:creationId xmlns:a16="http://schemas.microsoft.com/office/drawing/2014/main" id="{B0A83771-E118-44D5-A962-7732C0AD1EB8}"/>
-              </a:ext>
-            </a:extLst>
-          </p:cNvPr>
-          <p:cNvSpPr>
-            <a:spLocks noGrp="1"/>
-          </p:cNvSpPr>
-          <p:nvPr>
-            <p:ph idx="1"/>
-          </p:nvPr>
-        </p:nvSpPr>
-        <p:spPr>
-          <a:xfrm>
-            <a:off x="838199" y="1825625"/>
-            <a:ext cx="5598111" cy="3998126"/>
-          </a:xfrm>
-        </p:spPr>
-        <p:txBody>
-          <a:bodyPr>
-            <a:normAutofit/>
-          </a:bodyPr>
-          <a:lstStyle/>
-          <a:p>
-            <a:r>
-              <a:rPr lang="es-CR" sz="2400" dirty="0"/>
-              <a:t>La </a:t>
-            </a:r>
-            <a:r>
-              <a:rPr lang="es-CR" sz="2400" b="1" i="1" dirty="0"/>
-              <a:t>Regresión Logística</a:t>
-            </a:r>
-            <a:r>
-              <a:rPr lang="es-CR" sz="2400" dirty="0"/>
-              <a:t> no se utiliza para variables numéricas, sino que se emplea para </a:t>
-            </a:r>
-            <a:r>
-              <a:rPr lang="es-CR" sz="2400" b="1" dirty="0"/>
-              <a:t>predecir</a:t>
-            </a:r>
-            <a:r>
-              <a:rPr lang="es-CR" sz="2400" dirty="0"/>
-              <a:t> el resultado de una </a:t>
-            </a:r>
-            <a:r>
-              <a:rPr lang="es-CR" sz="2400" b="1" dirty="0"/>
-              <a:t>variable categórica</a:t>
-            </a:r>
-            <a:r>
-              <a:rPr lang="es-CR" sz="2400" dirty="0"/>
-              <a:t> en función de variables independientes. Debido a su sencillez y rápida aplicación, este algoritmo suele utilizarse con frecuencia para problemas de </a:t>
-            </a:r>
-            <a:r>
-              <a:rPr lang="es-CR" sz="2400" b="1" i="1" dirty="0"/>
-              <a:t>Clasificación Binaria</a:t>
-            </a:r>
-            <a:r>
-              <a:rPr lang="es-CR" sz="2400" b="1" dirty="0"/>
-              <a:t> y </a:t>
-            </a:r>
-            <a:r>
-              <a:rPr lang="es-CR" sz="2400" b="1" i="1" dirty="0"/>
-              <a:t>Clasificación Multiclase</a:t>
-            </a:r>
-            <a:r>
-              <a:rPr lang="es-CR" sz="2400" b="1" dirty="0"/>
-              <a:t> con fronteras lineales</a:t>
-            </a:r>
-            <a:r>
-              <a:rPr lang="es-CR" sz="2400" dirty="0"/>
-              <a:t>. </a:t>
-            </a:r>
-          </a:p>
-        </p:txBody>
-      </p:sp>
-      <p:pic>
-        <p:nvPicPr>
-          <p:cNvPr id="8196" name="Picture 4" descr="Resultado de imagen para RegresiÃ³n LogÃ­stica">
-            <a:extLst>
-              <a:ext uri="{FF2B5EF4-FFF2-40B4-BE49-F238E27FC236}">
-                <a16:creationId xmlns:a16="http://schemas.microsoft.com/office/drawing/2014/main" id="{659C476E-4415-4B74-A5A4-380B7D1E2AEE}"/>
-              </a:ext>
-            </a:extLst>
-          </p:cNvPr>
-          <p:cNvPicPr>
-            <a:picLocks noChangeAspect="1" noChangeArrowheads="1"/>
-          </p:cNvPicPr>
-          <p:nvPr/>
-        </p:nvPicPr>
-        <p:blipFill>
-          <a:blip r:embed="rId2">
-            <a:extLst>
-              <a:ext uri="{28A0092B-C50C-407E-A947-70E740481C1C}">
-                <a14:useLocalDpi xmlns:a14="http://schemas.microsoft.com/office/drawing/2010/main" val="0"/>
-              </a:ext>
-            </a:extLst>
-          </a:blip>
-          <a:srcRect/>
-          <a:stretch>
-            <a:fillRect/>
-          </a:stretch>
-        </p:blipFill>
-        <p:spPr bwMode="auto">
-          <a:xfrm>
-            <a:off x="6436310" y="1825625"/>
-            <a:ext cx="5362031" cy="3627749"/>
-          </a:xfrm>
-          <a:prstGeom prst="rect">
-            <a:avLst/>
-          </a:prstGeom>
-          <a:noFill/>
-          <a:extLst>
-            <a:ext uri="{909E8E84-426E-40DD-AFC4-6F175D3DCCD1}">
-              <a14:hiddenFill xmlns:a14="http://schemas.microsoft.com/office/drawing/2010/main">
-                <a:solidFill>
-                  <a:srgbClr val="FFFFFF"/>
-                </a:solidFill>
-              </a14:hiddenFill>
-            </a:ext>
-          </a:extLst>
-        </p:spPr>
-      </p:pic>
-      <p:pic>
-        <p:nvPicPr>
-          <p:cNvPr id="4" name="Picture 2">
-            <a:extLst>
-              <a:ext uri="{FF2B5EF4-FFF2-40B4-BE49-F238E27FC236}">
-                <a16:creationId xmlns:a16="http://schemas.microsoft.com/office/drawing/2014/main" id="{6156485A-CF02-49E2-8437-0FC28C218DD6}"/>
-              </a:ext>
-            </a:extLst>
-          </p:cNvPr>
-          <p:cNvPicPr/>
-          <p:nvPr/>
-        </p:nvPicPr>
-        <p:blipFill>
-          <a:blip r:embed="rId3"/>
-          <a:stretch/>
-        </p:blipFill>
-        <p:spPr>
-          <a:xfrm>
-            <a:off x="7099694" y="-115993"/>
-            <a:ext cx="2753640" cy="1445400"/>
-          </a:xfrm>
-          <a:prstGeom prst="rect">
-            <a:avLst/>
-          </a:prstGeom>
-          <a:ln>
-            <a:noFill/>
-          </a:ln>
-        </p:spPr>
-      </p:pic>
-    </p:spTree>
-    <p:extLst>
-      <p:ext uri="{BB962C8B-B14F-4D97-AF65-F5344CB8AC3E}">
-        <p14:creationId xmlns:p14="http://schemas.microsoft.com/office/powerpoint/2010/main" val="3240770302"/>
       </p:ext>
     </p:extLst>
   </p:cSld>
@@ -6282,7 +6331,7 @@
           <a:noFill/>
           <a:extLst>
             <a:ext uri="{909E8E84-426E-40dd-AFC4-6F175D3DCCD1}">
-              <a14:hiddenFill xmlns="" xmlns:a14="http://schemas.microsoft.com/office/drawing/2010/main">
+              <a14:hiddenFill xmlns:a14="http://schemas.microsoft.com/office/drawing/2010/main" xmlns="">
                 <a:solidFill>
                   <a:srgbClr val="FFFFFF"/>
                 </a:solidFill>
@@ -6520,7 +6569,7 @@
           <a:noFill/>
           <a:extLst>
             <a:ext uri="{909E8E84-426E-40dd-AFC4-6F175D3DCCD1}">
-              <a14:hiddenFill xmlns="" xmlns:a14="http://schemas.microsoft.com/office/drawing/2010/main">
+              <a14:hiddenFill xmlns:a14="http://schemas.microsoft.com/office/drawing/2010/main" xmlns="">
                 <a:solidFill>
                   <a:srgbClr val="FFFFFF"/>
                 </a:solidFill>
@@ -6788,6 +6837,22 @@
             </a:r>
           </a:p>
           <a:p>
+            <a:pPr lvl="2" indent="-228240">
+              <a:spcBef>
+                <a:spcPts val="499"/>
+              </a:spcBef>
+              <a:buClr>
+                <a:srgbClr val="000000"/>
+              </a:buClr>
+              <a:buFont typeface="Arial"/>
+              <a:buChar char="•"/>
+            </a:pPr>
+            <a:r>
+              <a:rPr lang="es-CR" dirty="0"/>
+              <a:t>Regresión Logística</a:t>
+            </a:r>
+          </a:p>
+          <a:p>
             <a:pPr marL="1143000" lvl="2" indent="-228240">
               <a:lnSpc>
                 <a:spcPct val="90000"/>
@@ -6835,25 +6900,6 @@
             <a:r>
               <a:rPr lang="es-CR" dirty="0"/>
               <a:t> </a:t>
-            </a:r>
-          </a:p>
-          <a:p>
-            <a:pPr marL="1143000" lvl="2" indent="-228240">
-              <a:lnSpc>
-                <a:spcPct val="90000"/>
-              </a:lnSpc>
-              <a:spcBef>
-                <a:spcPts val="499"/>
-              </a:spcBef>
-              <a:buClr>
-                <a:srgbClr val="000000"/>
-              </a:buClr>
-              <a:buFont typeface="Arial"/>
-              <a:buChar char="•"/>
-            </a:pPr>
-            <a:r>
-              <a:rPr lang="es-CR" dirty="0"/>
-              <a:t>Regresión Logística</a:t>
             </a:r>
           </a:p>
           <a:p>
@@ -6934,7 +6980,7 @@
           <a:noFill/>
           <a:extLst>
             <a:ext uri="{909E8E84-426E-40dd-AFC4-6F175D3DCCD1}">
-              <a14:hiddenFill xmlns:a14="http://schemas.microsoft.com/office/drawing/2010/main" xmlns="">
+              <a14:hiddenFill xmlns="" xmlns:a14="http://schemas.microsoft.com/office/drawing/2010/main">
                 <a:solidFill>
                   <a:srgbClr val="FFFFFF"/>
                 </a:solidFill>
@@ -7172,6 +7218,433 @@
           <p:cNvPr id="2" name="Título 1">
             <a:extLst>
               <a:ext uri="{FF2B5EF4-FFF2-40B4-BE49-F238E27FC236}">
+                <a16:creationId xmlns:a16="http://schemas.microsoft.com/office/drawing/2014/main" id="{875DC0AB-7134-471E-99A7-370AE0F9C0CC}"/>
+              </a:ext>
+            </a:extLst>
+          </p:cNvPr>
+          <p:cNvSpPr>
+            <a:spLocks noGrp="1"/>
+          </p:cNvSpPr>
+          <p:nvPr>
+            <p:ph type="title"/>
+          </p:nvPr>
+        </p:nvSpPr>
+        <p:spPr>
+          <a:xfrm>
+            <a:off x="1316665" y="-56074"/>
+            <a:ext cx="10515600" cy="1325563"/>
+          </a:xfrm>
+        </p:spPr>
+        <p:txBody>
+          <a:bodyPr/>
+          <a:lstStyle/>
+          <a:p>
+            <a:r>
+              <a:rPr lang="es-CR" b="1" dirty="0"/>
+              <a:t>Regresión Logística</a:t>
+            </a:r>
+          </a:p>
+        </p:txBody>
+      </p:sp>
+      <p:sp>
+        <p:nvSpPr>
+          <p:cNvPr id="3" name="Marcador de contenido 2">
+            <a:extLst>
+              <a:ext uri="{FF2B5EF4-FFF2-40B4-BE49-F238E27FC236}">
+                <a16:creationId xmlns:a16="http://schemas.microsoft.com/office/drawing/2014/main" id="{EBB4E74D-FCC2-4190-B635-D5A9BC0C41F7}"/>
+              </a:ext>
+            </a:extLst>
+          </p:cNvPr>
+          <p:cNvSpPr>
+            <a:spLocks noGrp="1"/>
+          </p:cNvSpPr>
+          <p:nvPr>
+            <p:ph idx="1"/>
+          </p:nvPr>
+        </p:nvSpPr>
+        <p:spPr>
+          <a:xfrm>
+            <a:off x="838200" y="1825625"/>
+            <a:ext cx="6663431" cy="4351338"/>
+          </a:xfrm>
+        </p:spPr>
+        <p:txBody>
+          <a:bodyPr>
+            <a:normAutofit/>
+          </a:bodyPr>
+          <a:lstStyle/>
+          <a:p>
+            <a:r>
+              <a:rPr lang="es-CR" sz="2400" dirty="0"/>
+              <a:t>La regresión logística es un procedimiento cuantitativo de gran utilidad para problemas donde la variable dependiente toma valores en un conjunto finito</a:t>
+            </a:r>
+          </a:p>
+          <a:p>
+            <a:r>
+              <a:rPr lang="es-CR" sz="2400" dirty="0"/>
+              <a:t>Ejemplo: </a:t>
+            </a:r>
+          </a:p>
+          <a:p>
+            <a:pPr lvl="1"/>
+            <a:r>
+              <a:rPr lang="es-CR" sz="2000" dirty="0"/>
+              <a:t>Un paciente muere o no antes del alta. </a:t>
+            </a:r>
+          </a:p>
+          <a:p>
+            <a:pPr lvl="1"/>
+            <a:r>
+              <a:rPr lang="es-CR" sz="2000" dirty="0"/>
+              <a:t>Una persona deja o no de fumar después de un tratamiento. </a:t>
+            </a:r>
+          </a:p>
+          <a:p>
+            <a:pPr lvl="1"/>
+            <a:r>
+              <a:rPr lang="es-CR" sz="2000" dirty="0"/>
+              <a:t>En un estudio retrospectivo un individuo es caso o control. </a:t>
+            </a:r>
+          </a:p>
+          <a:p>
+            <a:pPr lvl="1"/>
+            <a:r>
+              <a:rPr lang="es-CR" sz="2000" dirty="0"/>
+              <a:t>Un paciente positivo al VIH está o no en el estado IV. </a:t>
+            </a:r>
+          </a:p>
+        </p:txBody>
+      </p:sp>
+      <p:pic>
+        <p:nvPicPr>
+          <p:cNvPr id="4" name="Picture 2">
+            <a:extLst>
+              <a:ext uri="{FF2B5EF4-FFF2-40B4-BE49-F238E27FC236}">
+                <a16:creationId xmlns:a16="http://schemas.microsoft.com/office/drawing/2014/main" id="{5EEE53D9-1290-4387-B474-F94CDB92FCFA}"/>
+              </a:ext>
+            </a:extLst>
+          </p:cNvPr>
+          <p:cNvPicPr/>
+          <p:nvPr/>
+        </p:nvPicPr>
+        <p:blipFill>
+          <a:blip r:embed="rId2"/>
+          <a:stretch/>
+        </p:blipFill>
+        <p:spPr>
+          <a:xfrm>
+            <a:off x="7099694" y="-115993"/>
+            <a:ext cx="2753640" cy="1445400"/>
+          </a:xfrm>
+          <a:prstGeom prst="rect">
+            <a:avLst/>
+          </a:prstGeom>
+          <a:ln>
+            <a:noFill/>
+          </a:ln>
+        </p:spPr>
+      </p:pic>
+      <p:pic>
+        <p:nvPicPr>
+          <p:cNvPr id="13314" name="Picture 2">
+            <a:extLst>
+              <a:ext uri="{FF2B5EF4-FFF2-40B4-BE49-F238E27FC236}">
+                <a16:creationId xmlns:a16="http://schemas.microsoft.com/office/drawing/2014/main" id="{82D12595-009F-46F1-BB20-D2FC2FD64F86}"/>
+              </a:ext>
+            </a:extLst>
+          </p:cNvPr>
+          <p:cNvPicPr>
+            <a:picLocks noChangeAspect="1" noChangeArrowheads="1"/>
+          </p:cNvPicPr>
+          <p:nvPr/>
+        </p:nvPicPr>
+        <p:blipFill>
+          <a:blip r:embed="rId3">
+            <a:extLst>
+              <a:ext uri="{28A0092B-C50C-407E-A947-70E740481C1C}">
+                <a14:useLocalDpi xmlns:a14="http://schemas.microsoft.com/office/drawing/2010/main" val="0"/>
+              </a:ext>
+            </a:extLst>
+          </a:blip>
+          <a:srcRect/>
+          <a:stretch>
+            <a:fillRect/>
+          </a:stretch>
+        </p:blipFill>
+        <p:spPr bwMode="auto">
+          <a:xfrm>
+            <a:off x="7590279" y="2379214"/>
+            <a:ext cx="4137389" cy="3090031"/>
+          </a:xfrm>
+          <a:prstGeom prst="rect">
+            <a:avLst/>
+          </a:prstGeom>
+          <a:noFill/>
+          <a:extLst>
+            <a:ext uri="{909E8E84-426E-40DD-AFC4-6F175D3DCCD1}">
+              <a14:hiddenFill xmlns:a14="http://schemas.microsoft.com/office/drawing/2010/main">
+                <a:solidFill>
+                  <a:srgbClr val="FFFFFF"/>
+                </a:solidFill>
+              </a14:hiddenFill>
+            </a:ext>
+          </a:extLst>
+        </p:spPr>
+      </p:pic>
+    </p:spTree>
+    <p:extLst>
+      <p:ext uri="{BB962C8B-B14F-4D97-AF65-F5344CB8AC3E}">
+        <p14:creationId xmlns:p14="http://schemas.microsoft.com/office/powerpoint/2010/main" val="3043044904"/>
+      </p:ext>
+    </p:extLst>
+  </p:cSld>
+  <p:clrMapOvr>
+    <a:masterClrMapping/>
+  </p:clrMapOvr>
+</p:sld>
+</file>
+
+<file path=ppt/slides/slide5.xml><?xml version="1.0" encoding="utf-8"?>
+<p:sld xmlns:a="http://schemas.openxmlformats.org/drawingml/2006/main" xmlns:r="http://schemas.openxmlformats.org/officeDocument/2006/relationships" xmlns:p="http://schemas.openxmlformats.org/presentationml/2006/main">
+  <p:cSld>
+    <p:spTree>
+      <p:nvGrpSpPr>
+        <p:cNvPr id="1" name=""/>
+        <p:cNvGrpSpPr/>
+        <p:nvPr/>
+      </p:nvGrpSpPr>
+      <p:grpSpPr>
+        <a:xfrm>
+          <a:off x="0" y="0"/>
+          <a:ext cx="0" cy="0"/>
+          <a:chOff x="0" y="0"/>
+          <a:chExt cx="0" cy="0"/>
+        </a:xfrm>
+      </p:grpSpPr>
+      <p:sp>
+        <p:nvSpPr>
+          <p:cNvPr id="2" name="Título 1">
+            <a:extLst>
+              <a:ext uri="{FF2B5EF4-FFF2-40B4-BE49-F238E27FC236}">
+                <a16:creationId xmlns:a16="http://schemas.microsoft.com/office/drawing/2014/main" id="{1625AEFB-0538-4D51-AE02-E4CC3386C899}"/>
+              </a:ext>
+            </a:extLst>
+          </p:cNvPr>
+          <p:cNvSpPr>
+            <a:spLocks noGrp="1"/>
+          </p:cNvSpPr>
+          <p:nvPr>
+            <p:ph type="title"/>
+          </p:nvPr>
+        </p:nvSpPr>
+        <p:spPr>
+          <a:xfrm>
+            <a:off x="1460294" y="-123973"/>
+            <a:ext cx="10515600" cy="1325563"/>
+          </a:xfrm>
+        </p:spPr>
+        <p:txBody>
+          <a:bodyPr/>
+          <a:lstStyle/>
+          <a:p>
+            <a:r>
+              <a:rPr lang="es-CR" b="1" dirty="0"/>
+              <a:t>Regresión Logística</a:t>
+            </a:r>
+            <a:endParaRPr lang="es-CR" dirty="0"/>
+          </a:p>
+        </p:txBody>
+      </p:sp>
+      <p:sp>
+        <p:nvSpPr>
+          <p:cNvPr id="3" name="Marcador de contenido 2">
+            <a:extLst>
+              <a:ext uri="{FF2B5EF4-FFF2-40B4-BE49-F238E27FC236}">
+                <a16:creationId xmlns:a16="http://schemas.microsoft.com/office/drawing/2014/main" id="{B0A83771-E118-44D5-A962-7732C0AD1EB8}"/>
+              </a:ext>
+            </a:extLst>
+          </p:cNvPr>
+          <p:cNvSpPr>
+            <a:spLocks noGrp="1"/>
+          </p:cNvSpPr>
+          <p:nvPr>
+            <p:ph idx="1"/>
+          </p:nvPr>
+        </p:nvSpPr>
+        <p:spPr>
+          <a:xfrm>
+            <a:off x="838199" y="1825625"/>
+            <a:ext cx="5598111" cy="3998126"/>
+          </a:xfrm>
+        </p:spPr>
+        <p:txBody>
+          <a:bodyPr>
+            <a:normAutofit/>
+          </a:bodyPr>
+          <a:lstStyle/>
+          <a:p>
+            <a:r>
+              <a:rPr lang="es-CR" sz="2400" dirty="0"/>
+              <a:t>La </a:t>
+            </a:r>
+            <a:r>
+              <a:rPr lang="es-CR" sz="2400" b="1" i="1" dirty="0"/>
+              <a:t>Regresión Logística</a:t>
+            </a:r>
+            <a:r>
+              <a:rPr lang="es-CR" sz="2400" dirty="0"/>
+              <a:t> no se utiliza para variables numéricas, sino que se emplea para </a:t>
+            </a:r>
+            <a:r>
+              <a:rPr lang="es-CR" sz="2400" b="1" dirty="0"/>
+              <a:t>predecir</a:t>
+            </a:r>
+            <a:r>
+              <a:rPr lang="es-CR" sz="2400" dirty="0"/>
+              <a:t> el resultado de una </a:t>
+            </a:r>
+            <a:r>
+              <a:rPr lang="es-CR" sz="2400" b="1" dirty="0"/>
+              <a:t>variable categórica</a:t>
+            </a:r>
+            <a:r>
+              <a:rPr lang="es-CR" sz="2400" dirty="0"/>
+              <a:t> en función de variables independientes. Debido a su sencillez y rápida aplicación, este algoritmo suele utilizarse con frecuencia para problemas de </a:t>
+            </a:r>
+            <a:r>
+              <a:rPr lang="es-CR" sz="2400" b="1" i="1" dirty="0"/>
+              <a:t>Clasificación Binaria</a:t>
+            </a:r>
+            <a:r>
+              <a:rPr lang="es-CR" sz="2400" b="1" dirty="0"/>
+              <a:t> y </a:t>
+            </a:r>
+            <a:r>
+              <a:rPr lang="es-CR" sz="2400" b="1" i="1" dirty="0"/>
+              <a:t>Clasificación Multiclase</a:t>
+            </a:r>
+            <a:r>
+              <a:rPr lang="es-CR" sz="2400" b="1" dirty="0"/>
+              <a:t> con fronteras lineales</a:t>
+            </a:r>
+            <a:r>
+              <a:rPr lang="es-CR" sz="2400" dirty="0"/>
+              <a:t>. </a:t>
+            </a:r>
+          </a:p>
+        </p:txBody>
+      </p:sp>
+      <p:pic>
+        <p:nvPicPr>
+          <p:cNvPr id="8196" name="Picture 4" descr="Resultado de imagen para RegresiÃ³n LogÃ­stica">
+            <a:extLst>
+              <a:ext uri="{FF2B5EF4-FFF2-40B4-BE49-F238E27FC236}">
+                <a16:creationId xmlns:a16="http://schemas.microsoft.com/office/drawing/2014/main" id="{659C476E-4415-4B74-A5A4-380B7D1E2AEE}"/>
+              </a:ext>
+            </a:extLst>
+          </p:cNvPr>
+          <p:cNvPicPr>
+            <a:picLocks noChangeAspect="1" noChangeArrowheads="1"/>
+          </p:cNvPicPr>
+          <p:nvPr/>
+        </p:nvPicPr>
+        <p:blipFill>
+          <a:blip r:embed="rId2">
+            <a:extLst>
+              <a:ext uri="{28A0092B-C50C-407E-A947-70E740481C1C}">
+                <a14:useLocalDpi xmlns:a14="http://schemas.microsoft.com/office/drawing/2010/main" val="0"/>
+              </a:ext>
+            </a:extLst>
+          </a:blip>
+          <a:srcRect/>
+          <a:stretch>
+            <a:fillRect/>
+          </a:stretch>
+        </p:blipFill>
+        <p:spPr bwMode="auto">
+          <a:xfrm>
+            <a:off x="6436310" y="1825625"/>
+            <a:ext cx="5362031" cy="3627749"/>
+          </a:xfrm>
+          <a:prstGeom prst="rect">
+            <a:avLst/>
+          </a:prstGeom>
+          <a:noFill/>
+          <a:extLst>
+            <a:ext uri="{909E8E84-426E-40DD-AFC4-6F175D3DCCD1}">
+              <a14:hiddenFill xmlns:a14="http://schemas.microsoft.com/office/drawing/2010/main">
+                <a:solidFill>
+                  <a:srgbClr val="FFFFFF"/>
+                </a:solidFill>
+              </a14:hiddenFill>
+            </a:ext>
+          </a:extLst>
+        </p:spPr>
+      </p:pic>
+      <p:pic>
+        <p:nvPicPr>
+          <p:cNvPr id="4" name="Picture 2">
+            <a:extLst>
+              <a:ext uri="{FF2B5EF4-FFF2-40B4-BE49-F238E27FC236}">
+                <a16:creationId xmlns:a16="http://schemas.microsoft.com/office/drawing/2014/main" id="{6156485A-CF02-49E2-8437-0FC28C218DD6}"/>
+              </a:ext>
+            </a:extLst>
+          </p:cNvPr>
+          <p:cNvPicPr/>
+          <p:nvPr/>
+        </p:nvPicPr>
+        <p:blipFill>
+          <a:blip r:embed="rId3"/>
+          <a:stretch/>
+        </p:blipFill>
+        <p:spPr>
+          <a:xfrm>
+            <a:off x="7099694" y="-115993"/>
+            <a:ext cx="2753640" cy="1445400"/>
+          </a:xfrm>
+          <a:prstGeom prst="rect">
+            <a:avLst/>
+          </a:prstGeom>
+          <a:ln>
+            <a:noFill/>
+          </a:ln>
+        </p:spPr>
+      </p:pic>
+    </p:spTree>
+    <p:extLst>
+      <p:ext uri="{BB962C8B-B14F-4D97-AF65-F5344CB8AC3E}">
+        <p14:creationId xmlns:p14="http://schemas.microsoft.com/office/powerpoint/2010/main" val="2009523122"/>
+      </p:ext>
+    </p:extLst>
+  </p:cSld>
+  <p:clrMapOvr>
+    <a:masterClrMapping/>
+  </p:clrMapOvr>
+</p:sld>
+</file>
+
+<file path=ppt/slides/slide6.xml><?xml version="1.0" encoding="utf-8"?>
+<p:sld xmlns:a="http://schemas.openxmlformats.org/drawingml/2006/main" xmlns:r="http://schemas.openxmlformats.org/officeDocument/2006/relationships" xmlns:p="http://schemas.openxmlformats.org/presentationml/2006/main">
+  <p:cSld>
+    <p:spTree>
+      <p:nvGrpSpPr>
+        <p:cNvPr id="1" name=""/>
+        <p:cNvGrpSpPr/>
+        <p:nvPr/>
+      </p:nvGrpSpPr>
+      <p:grpSpPr>
+        <a:xfrm>
+          <a:off x="0" y="0"/>
+          <a:ext cx="0" cy="0"/>
+          <a:chOff x="0" y="0"/>
+          <a:chExt cx="0" cy="0"/>
+        </a:xfrm>
+      </p:grpSpPr>
+      <p:sp>
+        <p:nvSpPr>
+          <p:cNvPr id="2" name="Título 1">
+            <a:extLst>
+              <a:ext uri="{FF2B5EF4-FFF2-40B4-BE49-F238E27FC236}">
                 <a16:creationId xmlns:a16="http://schemas.microsoft.com/office/drawing/2014/main" id="{0346260E-1950-44D4-B11B-6103B85DF823}"/>
               </a:ext>
             </a:extLst>
@@ -7387,7 +7860,7 @@
 </p:sld>
 </file>
 
-<file path=ppt/slides/slide5.xml><?xml version="1.0" encoding="utf-8"?>
+<file path=ppt/slides/slide7.xml><?xml version="1.0" encoding="utf-8"?>
 <p:sld xmlns:a="http://schemas.openxmlformats.org/drawingml/2006/main" xmlns:r="http://schemas.openxmlformats.org/officeDocument/2006/relationships" xmlns:p="http://schemas.openxmlformats.org/presentationml/2006/main">
   <p:cSld>
     <p:spTree>
@@ -7608,7 +8081,7 @@
 </p:sld>
 </file>
 
-<file path=ppt/slides/slide6.xml><?xml version="1.0" encoding="utf-8"?>
+<file path=ppt/slides/slide8.xml><?xml version="1.0" encoding="utf-8"?>
 <p:sld xmlns:a="http://schemas.openxmlformats.org/drawingml/2006/main" xmlns:r="http://schemas.openxmlformats.org/officeDocument/2006/relationships" xmlns:p="http://schemas.openxmlformats.org/presentationml/2006/main">
   <p:cSld>
     <p:spTree>
@@ -7820,7 +8293,7 @@
 </p:sld>
 </file>
 
-<file path=ppt/slides/slide7.xml><?xml version="1.0" encoding="utf-8"?>
+<file path=ppt/slides/slide9.xml><?xml version="1.0" encoding="utf-8"?>
 <p:sld xmlns:a="http://schemas.openxmlformats.org/drawingml/2006/main" xmlns:r="http://schemas.openxmlformats.org/officeDocument/2006/relationships" xmlns:p="http://schemas.openxmlformats.org/presentationml/2006/main">
   <p:cSld>
     <p:spTree>
@@ -8021,482 +8494,6 @@
     <p:extLst>
       <p:ext uri="{BB962C8B-B14F-4D97-AF65-F5344CB8AC3E}">
         <p14:creationId xmlns:p14="http://schemas.microsoft.com/office/powerpoint/2010/main" val="3666670595"/>
-      </p:ext>
-    </p:extLst>
-  </p:cSld>
-  <p:clrMapOvr>
-    <a:masterClrMapping/>
-  </p:clrMapOvr>
-</p:sld>
-</file>
-
-<file path=ppt/slides/slide8.xml><?xml version="1.0" encoding="utf-8"?>
-<p:sld xmlns:a="http://schemas.openxmlformats.org/drawingml/2006/main" xmlns:r="http://schemas.openxmlformats.org/officeDocument/2006/relationships" xmlns:p="http://schemas.openxmlformats.org/presentationml/2006/main">
-  <p:cSld>
-    <p:spTree>
-      <p:nvGrpSpPr>
-        <p:cNvPr id="1" name=""/>
-        <p:cNvGrpSpPr/>
-        <p:nvPr/>
-      </p:nvGrpSpPr>
-      <p:grpSpPr>
-        <a:xfrm>
-          <a:off x="0" y="0"/>
-          <a:ext cx="0" cy="0"/>
-          <a:chOff x="0" y="0"/>
-          <a:chExt cx="0" cy="0"/>
-        </a:xfrm>
-      </p:grpSpPr>
-      <p:sp>
-        <p:nvSpPr>
-          <p:cNvPr id="2" name="Título 1">
-            <a:extLst>
-              <a:ext uri="{FF2B5EF4-FFF2-40B4-BE49-F238E27FC236}">
-                <a16:creationId xmlns:a16="http://schemas.microsoft.com/office/drawing/2014/main" id="{4C850E1C-2384-40C3-9543-0CB2E5EF4926}"/>
-              </a:ext>
-            </a:extLst>
-          </p:cNvPr>
-          <p:cNvSpPr>
-            <a:spLocks noGrp="1"/>
-          </p:cNvSpPr>
-          <p:nvPr>
-            <p:ph type="title"/>
-          </p:nvPr>
-        </p:nvSpPr>
-        <p:spPr>
-          <a:xfrm>
-            <a:off x="1295400" y="-78874"/>
-            <a:ext cx="10515600" cy="1325563"/>
-          </a:xfrm>
-        </p:spPr>
-        <p:txBody>
-          <a:bodyPr/>
-          <a:lstStyle/>
-          <a:p>
-            <a:r>
-              <a:rPr lang="es-CR" b="1" dirty="0"/>
-              <a:t>Desventajas</a:t>
-            </a:r>
-            <a:endParaRPr lang="es-CR" dirty="0"/>
-          </a:p>
-        </p:txBody>
-      </p:sp>
-      <p:sp>
-        <p:nvSpPr>
-          <p:cNvPr id="3" name="Marcador de contenido 2">
-            <a:extLst>
-              <a:ext uri="{FF2B5EF4-FFF2-40B4-BE49-F238E27FC236}">
-                <a16:creationId xmlns:a16="http://schemas.microsoft.com/office/drawing/2014/main" id="{663663DC-3B17-4C21-B247-7A678B1E72B7}"/>
-              </a:ext>
-            </a:extLst>
-          </p:cNvPr>
-          <p:cNvSpPr>
-            <a:spLocks noGrp="1"/>
-          </p:cNvSpPr>
-          <p:nvPr>
-            <p:ph idx="1"/>
-          </p:nvPr>
-        </p:nvSpPr>
-        <p:spPr>
-          <a:xfrm>
-            <a:off x="571870" y="1570444"/>
-            <a:ext cx="5615866" cy="4335478"/>
-          </a:xfrm>
-        </p:spPr>
-        <p:txBody>
-          <a:bodyPr>
-            <a:normAutofit fontScale="92500" lnSpcReduction="20000"/>
-          </a:bodyPr>
-          <a:lstStyle/>
-          <a:p>
-            <a:r>
-              <a:rPr lang="es-CR" dirty="0"/>
-              <a:t>Sobreajuste</a:t>
-            </a:r>
-          </a:p>
-          <a:p>
-            <a:r>
-              <a:rPr lang="es-CR" dirty="0"/>
-              <a:t>Pérdida de información al categorizar variables continuas</a:t>
-            </a:r>
-          </a:p>
-          <a:p>
-            <a:r>
-              <a:rPr lang="es-CR" dirty="0"/>
-              <a:t>Precisión: métodos como SVM y clasificadores tipo ensamblador a menudo tienen tasas de error 30% más bajas que CART (</a:t>
-            </a:r>
-            <a:r>
-              <a:rPr lang="es-CR" dirty="0" err="1"/>
-              <a:t>Classification</a:t>
-            </a:r>
-            <a:r>
-              <a:rPr lang="es-CR" dirty="0"/>
-              <a:t> and </a:t>
-            </a:r>
-            <a:r>
-              <a:rPr lang="es-CR" dirty="0" err="1"/>
-              <a:t>Regression</a:t>
-            </a:r>
-            <a:r>
-              <a:rPr lang="es-CR" dirty="0"/>
-              <a:t> </a:t>
-            </a:r>
-            <a:r>
-              <a:rPr lang="es-CR" dirty="0" err="1"/>
-              <a:t>Trees</a:t>
-            </a:r>
-            <a:r>
-              <a:rPr lang="es-CR" dirty="0"/>
-              <a:t>)</a:t>
-            </a:r>
-          </a:p>
-          <a:p>
-            <a:r>
-              <a:rPr lang="es-CR" dirty="0"/>
-              <a:t>Inestabilidad: un pequeño cambio en los datos puede modificar ampliamente la estructura del árbol. Por lo tanto la interpretación no es tan directa como parece.</a:t>
-            </a:r>
-          </a:p>
-          <a:p>
-            <a:endParaRPr lang="es-CR" dirty="0"/>
-          </a:p>
-        </p:txBody>
-      </p:sp>
-      <p:pic>
-        <p:nvPicPr>
-          <p:cNvPr id="4" name="Picture 2">
-            <a:extLst>
-              <a:ext uri="{FF2B5EF4-FFF2-40B4-BE49-F238E27FC236}">
-                <a16:creationId xmlns:a16="http://schemas.microsoft.com/office/drawing/2014/main" id="{3EB0AE20-49E8-4F19-9D7D-B248B7E58D07}"/>
-              </a:ext>
-            </a:extLst>
-          </p:cNvPr>
-          <p:cNvPicPr/>
-          <p:nvPr/>
-        </p:nvPicPr>
-        <p:blipFill>
-          <a:blip r:embed="rId2"/>
-          <a:stretch/>
-        </p:blipFill>
-        <p:spPr>
-          <a:xfrm>
-            <a:off x="7025266" y="-138793"/>
-            <a:ext cx="2753640" cy="1445400"/>
-          </a:xfrm>
-          <a:prstGeom prst="rect">
-            <a:avLst/>
-          </a:prstGeom>
-          <a:ln>
-            <a:noFill/>
-          </a:ln>
-        </p:spPr>
-      </p:pic>
-      <p:pic>
-        <p:nvPicPr>
-          <p:cNvPr id="12290" name="Picture 2" descr="Resultado de imagen para arboles de decision machine learning">
-            <a:extLst>
-              <a:ext uri="{FF2B5EF4-FFF2-40B4-BE49-F238E27FC236}">
-                <a16:creationId xmlns:a16="http://schemas.microsoft.com/office/drawing/2014/main" id="{4D2C2875-CFB5-45BC-A512-A05BEE29DDD6}"/>
-              </a:ext>
-            </a:extLst>
-          </p:cNvPr>
-          <p:cNvPicPr>
-            <a:picLocks noChangeAspect="1" noChangeArrowheads="1"/>
-          </p:cNvPicPr>
-          <p:nvPr/>
-        </p:nvPicPr>
-        <p:blipFill>
-          <a:blip r:embed="rId3">
-            <a:extLst>
-              <a:ext uri="{28A0092B-C50C-407E-A947-70E740481C1C}">
-                <a14:useLocalDpi xmlns:a14="http://schemas.microsoft.com/office/drawing/2010/main" val="0"/>
-              </a:ext>
-            </a:extLst>
-          </a:blip>
-          <a:srcRect/>
-          <a:stretch>
-            <a:fillRect/>
-          </a:stretch>
-        </p:blipFill>
-        <p:spPr bwMode="auto">
-          <a:xfrm>
-            <a:off x="6638506" y="2733118"/>
-            <a:ext cx="4981624" cy="2010129"/>
-          </a:xfrm>
-          <a:prstGeom prst="rect">
-            <a:avLst/>
-          </a:prstGeom>
-          <a:noFill/>
-          <a:extLst>
-            <a:ext uri="{909E8E84-426E-40DD-AFC4-6F175D3DCCD1}">
-              <a14:hiddenFill xmlns:a14="http://schemas.microsoft.com/office/drawing/2010/main">
-                <a:solidFill>
-                  <a:srgbClr val="FFFFFF"/>
-                </a:solidFill>
-              </a14:hiddenFill>
-            </a:ext>
-          </a:extLst>
-        </p:spPr>
-      </p:pic>
-    </p:spTree>
-    <p:extLst>
-      <p:ext uri="{BB962C8B-B14F-4D97-AF65-F5344CB8AC3E}">
-        <p14:creationId xmlns:p14="http://schemas.microsoft.com/office/powerpoint/2010/main" val="2055544358"/>
-      </p:ext>
-    </p:extLst>
-  </p:cSld>
-  <p:clrMapOvr>
-    <a:masterClrMapping/>
-  </p:clrMapOvr>
-</p:sld>
-</file>
-
-<file path=ppt/slides/slide9.xml><?xml version="1.0" encoding="utf-8"?>
-<p:sld xmlns:a="http://schemas.openxmlformats.org/drawingml/2006/main" xmlns:r="http://schemas.openxmlformats.org/officeDocument/2006/relationships" xmlns:p="http://schemas.openxmlformats.org/presentationml/2006/main">
-  <p:cSld>
-    <p:spTree>
-      <p:nvGrpSpPr>
-        <p:cNvPr id="1" name=""/>
-        <p:cNvGrpSpPr/>
-        <p:nvPr/>
-      </p:nvGrpSpPr>
-      <p:grpSpPr>
-        <a:xfrm>
-          <a:off x="0" y="0"/>
-          <a:ext cx="0" cy="0"/>
-          <a:chOff x="0" y="0"/>
-          <a:chExt cx="0" cy="0"/>
-        </a:xfrm>
-      </p:grpSpPr>
-      <p:sp>
-        <p:nvSpPr>
-          <p:cNvPr id="2" name="Título 1">
-            <a:extLst>
-              <a:ext uri="{FF2B5EF4-FFF2-40B4-BE49-F238E27FC236}">
-                <a16:creationId xmlns:a16="http://schemas.microsoft.com/office/drawing/2014/main" id="{99363C58-8BC3-4645-9BE5-60DFA94FAE12}"/>
-              </a:ext>
-            </a:extLst>
-          </p:cNvPr>
-          <p:cNvSpPr>
-            <a:spLocks noGrp="1"/>
-          </p:cNvSpPr>
-          <p:nvPr>
-            <p:ph type="title"/>
-          </p:nvPr>
-        </p:nvSpPr>
-        <p:spPr>
-          <a:xfrm>
-            <a:off x="1386280" y="-91784"/>
-            <a:ext cx="10515600" cy="1325563"/>
-          </a:xfrm>
-        </p:spPr>
-        <p:txBody>
-          <a:bodyPr/>
-          <a:lstStyle/>
-          <a:p>
-            <a:r>
-              <a:rPr lang="es-CR" dirty="0"/>
-              <a:t>Random Forest </a:t>
-            </a:r>
-          </a:p>
-        </p:txBody>
-      </p:sp>
-      <p:sp>
-        <p:nvSpPr>
-          <p:cNvPr id="3" name="Marcador de contenido 2">
-            <a:extLst>
-              <a:ext uri="{FF2B5EF4-FFF2-40B4-BE49-F238E27FC236}">
-                <a16:creationId xmlns:a16="http://schemas.microsoft.com/office/drawing/2014/main" id="{B8FEEECF-77C3-4FD6-8FE0-A8ADE77D50DB}"/>
-              </a:ext>
-            </a:extLst>
-          </p:cNvPr>
-          <p:cNvSpPr>
-            <a:spLocks noGrp="1"/>
-          </p:cNvSpPr>
-          <p:nvPr>
-            <p:ph idx="1"/>
-          </p:nvPr>
-        </p:nvSpPr>
-        <p:spPr>
-          <a:xfrm>
-            <a:off x="676714" y="1549179"/>
-            <a:ext cx="5705213" cy="4351338"/>
-          </a:xfrm>
-        </p:spPr>
-        <p:txBody>
-          <a:bodyPr>
-            <a:normAutofit fontScale="47500" lnSpcReduction="20000"/>
-          </a:bodyPr>
-          <a:lstStyle/>
-          <a:p>
-            <a:r>
-              <a:rPr lang="es-CR" sz="2900" dirty="0"/>
-              <a:t>Los métodos tipo ensamblador están formados de un </a:t>
-            </a:r>
-            <a:r>
-              <a:rPr lang="es-CR" sz="2900" b="1" dirty="0"/>
-              <a:t>grupo de modelos predictivos</a:t>
-            </a:r>
-            <a:r>
-              <a:rPr lang="es-CR" sz="2900" dirty="0"/>
-              <a:t> que permiten alcanzar una mejor precisión y estabilidad del modelo. Estos proveen una mejora significativa a los modelos de árboles de decisión.</a:t>
-            </a:r>
-          </a:p>
-          <a:p>
-            <a:endParaRPr lang="es-CR" dirty="0"/>
-          </a:p>
-          <a:p>
-            <a:r>
-              <a:rPr lang="es-CR" sz="3300" b="1" dirty="0"/>
-              <a:t>Por qué surgen los ensambladores de árboles?</a:t>
-            </a:r>
-            <a:endParaRPr lang="es-CR" sz="3300" dirty="0"/>
-          </a:p>
-          <a:p>
-            <a:pPr lvl="1"/>
-            <a:r>
-              <a:rPr lang="es-CR" sz="2900" dirty="0"/>
-              <a:t>Así como todos los modelos, un árbol de decisión también sufre de los problemas de sesgo y varianza. Es decir, cuánto en promedio son los valores </a:t>
-            </a:r>
-            <a:r>
-              <a:rPr lang="es-CR" sz="2900" dirty="0" err="1"/>
-              <a:t>predecidos</a:t>
-            </a:r>
-            <a:r>
-              <a:rPr lang="es-CR" sz="2900" dirty="0"/>
-              <a:t> diferentes de los valores reales (sesgo) y cuan diferentes serán las predicciones de un modelo en un mismo punto si muestras diferentes se tomaran de la misma población’ (varianza).</a:t>
-            </a:r>
-          </a:p>
-          <a:p>
-            <a:pPr lvl="1"/>
-            <a:endParaRPr lang="es-CR" sz="2900" dirty="0"/>
-          </a:p>
-          <a:p>
-            <a:pPr lvl="1"/>
-            <a:r>
-              <a:rPr lang="es-CR" sz="2900" dirty="0"/>
-              <a:t>Al construir un árbol pequeño se obtendrá un modelo con baja varianza y alto sesgo. Normalmente, al incrementar la complejidad del modelo, se verá una reducción en el error de predicción debido a un sesgo más bajo en el modelo. En un punto el modelo será muy complejo y se producirá un </a:t>
-            </a:r>
-            <a:r>
-              <a:rPr lang="es-CR" sz="2900" dirty="0" err="1"/>
-              <a:t>sobre-ajuste</a:t>
-            </a:r>
-            <a:r>
-              <a:rPr lang="es-CR" sz="2900" dirty="0"/>
-              <a:t> del modelo el cual empezará a sufrir de varianza alta.</a:t>
-            </a:r>
-          </a:p>
-          <a:p>
-            <a:pPr lvl="1"/>
-            <a:endParaRPr lang="es-CR" sz="2900" dirty="0"/>
-          </a:p>
-          <a:p>
-            <a:pPr lvl="1"/>
-            <a:r>
-              <a:rPr lang="es-CR" sz="2900" dirty="0"/>
-              <a:t>El modelo óptimo debería mantener un balance entre estos dos tipos de errores. A esto se le conoce como “</a:t>
-            </a:r>
-            <a:r>
-              <a:rPr lang="es-CR" sz="2900" dirty="0" err="1"/>
-              <a:t>trade</a:t>
-            </a:r>
-            <a:r>
-              <a:rPr lang="es-CR" sz="2900" dirty="0"/>
-              <a:t>-off” (equilibrio) entre errores de sesgo y varianza. El uso de ensambladores es una forma de aplicar este “</a:t>
-            </a:r>
-            <a:r>
-              <a:rPr lang="es-CR" sz="2900" dirty="0" err="1"/>
-              <a:t>trade</a:t>
-            </a:r>
-            <a:r>
-              <a:rPr lang="es-CR" sz="2900" dirty="0"/>
-              <a:t>-off”.</a:t>
-            </a:r>
-          </a:p>
-          <a:p>
-            <a:endParaRPr lang="es-CR" dirty="0"/>
-          </a:p>
-        </p:txBody>
-      </p:sp>
-      <p:pic>
-        <p:nvPicPr>
-          <p:cNvPr id="5122" name="Picture 2" descr="âPruningâ">
-            <a:extLst>
-              <a:ext uri="{FF2B5EF4-FFF2-40B4-BE49-F238E27FC236}">
-                <a16:creationId xmlns:a16="http://schemas.microsoft.com/office/drawing/2014/main" id="{5BFACF48-A3C8-4CC6-B689-909C386E9A2D}"/>
-              </a:ext>
-            </a:extLst>
-          </p:cNvPr>
-          <p:cNvPicPr>
-            <a:picLocks noChangeAspect="1" noChangeArrowheads="1"/>
-          </p:cNvPicPr>
-          <p:nvPr/>
-        </p:nvPicPr>
-        <p:blipFill>
-          <a:blip r:embed="rId2">
-            <a:extLst>
-              <a:ext uri="{28A0092B-C50C-407E-A947-70E740481C1C}">
-                <a14:useLocalDpi xmlns:a14="http://schemas.microsoft.com/office/drawing/2010/main" val="0"/>
-              </a:ext>
-            </a:extLst>
-          </a:blip>
-          <a:srcRect/>
-          <a:stretch>
-            <a:fillRect/>
-          </a:stretch>
-        </p:blipFill>
-        <p:spPr bwMode="auto">
-          <a:xfrm>
-            <a:off x="6392146" y="1994627"/>
-            <a:ext cx="5055053" cy="3905890"/>
-          </a:xfrm>
-          <a:prstGeom prst="rect">
-            <a:avLst/>
-          </a:prstGeom>
-          <a:noFill/>
-          <a:extLst>
-            <a:ext uri="{909E8E84-426E-40DD-AFC4-6F175D3DCCD1}">
-              <a14:hiddenFill xmlns:a14="http://schemas.microsoft.com/office/drawing/2010/main">
-                <a:solidFill>
-                  <a:srgbClr val="FFFFFF"/>
-                </a:solidFill>
-              </a14:hiddenFill>
-            </a:ext>
-          </a:extLst>
-        </p:spPr>
-      </p:pic>
-      <p:pic>
-        <p:nvPicPr>
-          <p:cNvPr id="6" name="Picture 2">
-            <a:extLst>
-              <a:ext uri="{FF2B5EF4-FFF2-40B4-BE49-F238E27FC236}">
-                <a16:creationId xmlns:a16="http://schemas.microsoft.com/office/drawing/2014/main" id="{1EA7167E-1B70-436A-B639-9E1C1663B0AA}"/>
-              </a:ext>
-            </a:extLst>
-          </p:cNvPr>
-          <p:cNvPicPr/>
-          <p:nvPr/>
-        </p:nvPicPr>
-        <p:blipFill>
-          <a:blip r:embed="rId3"/>
-          <a:stretch/>
-        </p:blipFill>
-        <p:spPr>
-          <a:xfrm>
-            <a:off x="7285860" y="-91784"/>
-            <a:ext cx="2753640" cy="1445400"/>
-          </a:xfrm>
-          <a:prstGeom prst="rect">
-            <a:avLst/>
-          </a:prstGeom>
-          <a:ln>
-            <a:noFill/>
-          </a:ln>
-        </p:spPr>
-      </p:pic>
-    </p:spTree>
-    <p:extLst>
-      <p:ext uri="{BB962C8B-B14F-4D97-AF65-F5344CB8AC3E}">
-        <p14:creationId xmlns:p14="http://schemas.microsoft.com/office/powerpoint/2010/main" val="428855257"/>
       </p:ext>
     </p:extLst>
   </p:cSld>
